--- a/aulas/t/SCO-T1-A03-A04.pptx
+++ b/aulas/t/SCO-T1-A03-A04.pptx
@@ -10420,7 +10420,7 @@
           <a:p>
             <a:pPr algn="r"/>
             <a:br>
-              <a:rPr lang="pt-PT" sz="1000" b="1" i="1" dirty="0">
+              <a:rPr lang="pt-PT" sz="1000" b="1" i="1" cap="small" dirty="0">
                 <a:solidFill>
                   <a:srgbClr val="FF0000"/>
                 </a:solidFill>
@@ -10428,58 +10428,13 @@
               </a:rPr>
             </a:br>
             <a:r>
-              <a:rPr lang="pt-PT" sz="1800" b="1" i="1" dirty="0">
+              <a:rPr lang="pt-PT" sz="1800" b="1" i="1" cap="small" dirty="0">
                 <a:solidFill>
                   <a:srgbClr val="FF0000"/>
                 </a:solidFill>
                 <a:latin typeface="Arial" charset="0"/>
               </a:rPr>
-              <a:t>T</a:t>
-            </a:r>
-            <a:r>
-              <a:rPr lang="pt-PT" sz="1600" b="1" i="1" dirty="0">
-                <a:solidFill>
-                  <a:srgbClr val="FF0000"/>
-                </a:solidFill>
-                <a:latin typeface="Arial" charset="0"/>
-              </a:rPr>
-              <a:t>ESTE </a:t>
-            </a:r>
-            <a:r>
-              <a:rPr lang="pt-PT" sz="1800" b="1" i="1" dirty="0">
-                <a:solidFill>
-                  <a:srgbClr val="FF0000"/>
-                </a:solidFill>
-                <a:latin typeface="Arial" charset="0"/>
-              </a:rPr>
-              <a:t>T</a:t>
-            </a:r>
-            <a:r>
-              <a:rPr lang="pt-PT" sz="1600" b="1" i="1" dirty="0">
-                <a:solidFill>
-                  <a:srgbClr val="FF0000"/>
-                </a:solidFill>
-                <a:latin typeface="Arial" charset="0"/>
-              </a:rPr>
-              <a:t>EÓRICO </a:t>
-            </a:r>
-            <a:r>
-              <a:rPr lang="pt-PT" sz="1800" b="1" i="1" dirty="0">
-                <a:solidFill>
-                  <a:srgbClr val="FF0000"/>
-                </a:solidFill>
-                <a:latin typeface="Arial" charset="0"/>
-              </a:rPr>
-              <a:t>O</a:t>
-            </a:r>
-            <a:r>
-              <a:rPr lang="pt-PT" sz="1600" b="1" i="1" dirty="0">
-                <a:solidFill>
-                  <a:srgbClr val="FF0000"/>
-                </a:solidFill>
-                <a:latin typeface="Arial" charset="0"/>
-              </a:rPr>
-              <a:t>NLINE</a:t>
+              <a:t>Questionário Teórico Online</a:t>
             </a:r>
             <a:endParaRPr lang="en-GB" sz="1600" b="1" i="1" dirty="0">
               <a:solidFill>
@@ -10501,7 +10456,7 @@
         <p:spPr bwMode="auto">
           <a:xfrm>
             <a:off x="540000" y="900000"/>
-            <a:ext cx="8064448" cy="3938245"/>
+            <a:ext cx="8064448" cy="3568914"/>
           </a:xfrm>
           <a:prstGeom prst="rect">
             <a:avLst/>
@@ -10521,18 +10476,6 @@
           </a:bodyPr>
           <a:lstStyle/>
           <a:p>
-            <a:pPr algn="l" defTabSz="704085">
-              <a:lnSpc>
-                <a:spcPct val="120000"/>
-              </a:lnSpc>
-            </a:pPr>
-            <a:r>
-              <a:rPr lang="pt-PT" sz="2000" b="0" i="0" dirty="0"/>
-              <a:t>Questões em:</a:t>
-            </a:r>
-            <a:endParaRPr lang="pt-PT" sz="3600" i="0" dirty="0"/>
-          </a:p>
-          <a:p>
             <a:pPr marL="357188" lvl="1" indent="-177800" algn="l" defTabSz="704085">
               <a:lnSpc>
                 <a:spcPct val="120000"/>
@@ -10590,7 +10533,15 @@
             </a:pPr>
             <a:r>
               <a:rPr lang="pt-PT" sz="2800" b="0" i="0" dirty="0"/>
-              <a:t>Password do questionário 2: </a:t>
+              <a:t>Password do questionário </a:t>
+            </a:r>
+            <a:r>
+              <a:rPr lang="pt-PT" sz="2800" i="0" dirty="0"/>
+              <a:t>T-Q02</a:t>
+            </a:r>
+            <a:r>
+              <a:rPr lang="pt-PT" sz="2800" b="0" i="0" dirty="0"/>
+              <a:t>: </a:t>
             </a:r>
             <a:r>
               <a:rPr lang="pt-PT" sz="2800" i="0" dirty="0"/>

--- a/aulas/t/SCO-T1-A03-A04.pptx
+++ b/aulas/t/SCO-T1-A03-A04.pptx
@@ -7208,7 +7208,7 @@
         </p:nvSpPr>
         <p:spPr bwMode="auto">
           <a:xfrm>
-            <a:off x="540000" y="900000"/>
+            <a:off x="540000" y="841276"/>
             <a:ext cx="8424488" cy="4241662"/>
           </a:xfrm>
           <a:prstGeom prst="rect">
@@ -7649,7 +7649,7 @@
         </p:nvSpPr>
         <p:spPr bwMode="auto">
           <a:xfrm>
-            <a:off x="540000" y="900000"/>
+            <a:off x="540000" y="841276"/>
             <a:ext cx="8424488" cy="3946196"/>
           </a:xfrm>
           <a:prstGeom prst="rect">
@@ -8021,7 +8021,7 @@
         </p:nvSpPr>
         <p:spPr bwMode="auto">
           <a:xfrm>
-            <a:off x="540000" y="900000"/>
+            <a:off x="540000" y="841276"/>
             <a:ext cx="8424488" cy="3946196"/>
           </a:xfrm>
           <a:prstGeom prst="rect">
@@ -8373,7 +8373,7 @@
         </p:nvSpPr>
         <p:spPr bwMode="auto">
           <a:xfrm>
-            <a:off x="540000" y="900000"/>
+            <a:off x="540000" y="841276"/>
             <a:ext cx="8424488" cy="3946196"/>
           </a:xfrm>
           <a:prstGeom prst="rect">
@@ -8874,7 +8874,7 @@
         </p:nvSpPr>
         <p:spPr bwMode="auto">
           <a:xfrm>
-            <a:off x="540000" y="900000"/>
+            <a:off x="540000" y="841276"/>
             <a:ext cx="8424488" cy="2173403"/>
           </a:xfrm>
           <a:prstGeom prst="rect">
@@ -9260,7 +9260,7 @@
         </p:nvSpPr>
         <p:spPr bwMode="auto">
           <a:xfrm>
-            <a:off x="540000" y="900000"/>
+            <a:off x="540000" y="841276"/>
             <a:ext cx="8424488" cy="3650731"/>
           </a:xfrm>
           <a:prstGeom prst="rect">
@@ -9662,7 +9662,7 @@
         </p:nvSpPr>
         <p:spPr bwMode="auto">
           <a:xfrm>
-            <a:off x="540000" y="900000"/>
+            <a:off x="540000" y="841276"/>
             <a:ext cx="8424488" cy="4241662"/>
           </a:xfrm>
           <a:prstGeom prst="rect">
@@ -10106,7 +10106,7 @@
         </p:nvSpPr>
         <p:spPr bwMode="auto">
           <a:xfrm>
-            <a:off x="540000" y="900000"/>
+            <a:off x="540000" y="841276"/>
             <a:ext cx="8424488" cy="2764334"/>
           </a:xfrm>
           <a:prstGeom prst="rect">
@@ -10455,7 +10455,7 @@
         </p:nvSpPr>
         <p:spPr bwMode="auto">
           <a:xfrm>
-            <a:off x="540000" y="900000"/>
+            <a:off x="540000" y="841276"/>
             <a:ext cx="8064448" cy="3568914"/>
           </a:xfrm>
           <a:prstGeom prst="rect">
@@ -10875,7 +10875,7 @@
         </p:nvSpPr>
         <p:spPr bwMode="auto">
           <a:xfrm>
-            <a:off x="540000" y="900000"/>
+            <a:off x="540000" y="841276"/>
             <a:ext cx="8136456" cy="1656339"/>
           </a:xfrm>
           <a:prstGeom prst="rect">
@@ -11251,7 +11251,7 @@
         </p:nvSpPr>
         <p:spPr bwMode="auto">
           <a:xfrm>
-            <a:off x="540000" y="900000"/>
+            <a:off x="540000" y="841276"/>
             <a:ext cx="8424488" cy="3650731"/>
           </a:xfrm>
           <a:prstGeom prst="rect">
@@ -11635,7 +11635,7 @@
         </p:nvSpPr>
         <p:spPr bwMode="auto">
           <a:xfrm>
-            <a:off x="540000" y="900000"/>
+            <a:off x="540000" y="841276"/>
             <a:ext cx="8424488" cy="4411900"/>
           </a:xfrm>
           <a:prstGeom prst="rect">
@@ -12222,7 +12222,7 @@
         </p:nvSpPr>
         <p:spPr bwMode="auto">
           <a:xfrm>
-            <a:off x="540000" y="900000"/>
+            <a:off x="540000" y="841276"/>
             <a:ext cx="8424488" cy="3650731"/>
           </a:xfrm>
           <a:prstGeom prst="rect">
@@ -12647,7 +12647,7 @@
         </p:nvSpPr>
         <p:spPr bwMode="auto">
           <a:xfrm>
-            <a:off x="540000" y="900000"/>
+            <a:off x="540000" y="841276"/>
             <a:ext cx="8424488" cy="3671826"/>
           </a:xfrm>
           <a:prstGeom prst="rect">
@@ -13414,7 +13414,7 @@
         </p:nvSpPr>
         <p:spPr bwMode="auto">
           <a:xfrm>
-            <a:off x="540000" y="900000"/>
+            <a:off x="540000" y="841276"/>
             <a:ext cx="8424488" cy="696076"/>
           </a:xfrm>
           <a:prstGeom prst="rect">
@@ -13524,7 +13524,7 @@
         </p:nvSpPr>
         <p:spPr bwMode="auto">
           <a:xfrm>
-            <a:off x="540000" y="1577927"/>
+            <a:off x="540000" y="1561356"/>
             <a:ext cx="2375816" cy="917675"/>
           </a:xfrm>
           <a:prstGeom prst="rect">
@@ -13926,7 +13926,7 @@
         </p:nvSpPr>
         <p:spPr bwMode="auto">
           <a:xfrm>
-            <a:off x="540000" y="900000"/>
+            <a:off x="540000" y="841276"/>
             <a:ext cx="8208464" cy="1582472"/>
           </a:xfrm>
           <a:prstGeom prst="rect">
@@ -14046,7 +14046,7 @@
         </p:nvSpPr>
         <p:spPr bwMode="auto">
           <a:xfrm>
-            <a:off x="540000" y="2425452"/>
+            <a:off x="540000" y="2353444"/>
             <a:ext cx="3455936" cy="2395003"/>
           </a:xfrm>
           <a:prstGeom prst="rect">
@@ -14477,7 +14477,7 @@
         </p:nvSpPr>
         <p:spPr bwMode="auto">
           <a:xfrm>
-            <a:off x="540000" y="900000"/>
+            <a:off x="540000" y="841276"/>
             <a:ext cx="8424488" cy="3059800"/>
           </a:xfrm>
           <a:prstGeom prst="rect">
